--- a/presentation/HH_SSAR_presentation.pptx
+++ b/presentation/HH_SSAR_presentation.pptx
@@ -296,7 +296,7 @@
           <a:p>
             <a:fld id="{73261BF4-8B2C-784B-9959-B59A059012C3}" type="datetimeFigureOut">
               <a:rPr lang="en-RU" smtClean="0"/>
-              <a:t>08/18/2025</a:t>
+              <a:t>08/19/2025</a:t>
             </a:fld>
             <a:endParaRPr lang="en-RU"/>
           </a:p>
@@ -13700,7 +13700,7 @@
           <a:p>
             <a:fld id="{53063DFB-8595-A44B-9F09-A50FA310E559}" type="datetimeFigureOut">
               <a:rPr lang="en-RU" smtClean="0"/>
-              <a:t>08/18/2025</a:t>
+              <a:t>08/19/2025</a:t>
             </a:fld>
             <a:endParaRPr lang="en-RU"/>
           </a:p>
@@ -16274,7 +16274,7 @@
           </a:xfrm>
           <a:prstGeom prst="roundRect">
             <a:avLst>
-              <a:gd name="adj" fmla="val 7345"/>
+              <a:gd name="adj" fmla="val 7898"/>
             </a:avLst>
           </a:prstGeom>
           <a:solidFill>
@@ -16328,7 +16328,7 @@
           </a:xfrm>
           <a:prstGeom prst="roundRect">
             <a:avLst>
-              <a:gd name="adj" fmla="val 7345"/>
+              <a:gd name="adj" fmla="val 4994"/>
             </a:avLst>
           </a:prstGeom>
           <a:solidFill>
@@ -16770,18 +16770,6 @@
               <a:p>
                 <a:pPr indent="182563"/>
                 <a:r>
-                  <a:rPr lang="ru-RU" sz="1050" dirty="0">
-                    <a:solidFill>
-                      <a:schemeClr val="accent1">
-                        <a:lumMod val="20000"/>
-                        <a:lumOff val="80000"/>
-                      </a:schemeClr>
-                    </a:solidFill>
-                    <a:latin typeface="HSE Sans" panose="02000000000000000000"/>
-                  </a:rPr>
-                  <a:t>&gt; </a:t>
-                </a:r>
-                <a:r>
                   <a:rPr lang="en-US" sz="1050" dirty="0">
                     <a:solidFill>
                       <a:schemeClr val="accent1">
@@ -16806,23 +16794,11 @@
                     </a:solidFill>
                     <a:latin typeface="HSE Sans" panose="02000000000000000000"/>
                   </a:rPr>
-                  <a:t>  Word2Vec</a:t>
+                  <a:t>Word2Vec</a:t>
                 </a:r>
               </a:p>
               <a:p>
                 <a:pPr indent="182563"/>
-                <a:r>
-                  <a:rPr lang="en-US" sz="1050" dirty="0">
-                    <a:solidFill>
-                      <a:schemeClr val="accent1">
-                        <a:lumMod val="20000"/>
-                        <a:lumOff val="80000"/>
-                      </a:schemeClr>
-                    </a:solidFill>
-                    <a:latin typeface="HSE Sans" panose="02000000000000000000"/>
-                  </a:rPr>
-                  <a:t>  </a:t>
-                </a:r>
                 <a:r>
                   <a:rPr lang="en-US" sz="1050" dirty="0" err="1">
                     <a:solidFill>
@@ -16847,18 +16823,6 @@
               </a:p>
               <a:p>
                 <a:pPr indent="182563"/>
-                <a:r>
-                  <a:rPr lang="en-US" sz="1050" dirty="0">
-                    <a:solidFill>
-                      <a:schemeClr val="accent1">
-                        <a:lumMod val="20000"/>
-                        <a:lumOff val="80000"/>
-                      </a:schemeClr>
-                    </a:solidFill>
-                    <a:latin typeface="HSE Sans" panose="02000000000000000000"/>
-                  </a:rPr>
-                  <a:t>  </a:t>
-                </a:r>
                 <a:r>
                   <a:rPr lang="ru-RU" sz="1050" dirty="0">
                     <a:solidFill>
@@ -17098,6 +17062,13 @@
           <a:prstGeom prst="bentConnector3">
             <a:avLst/>
           </a:prstGeom>
+          <a:ln>
+            <a:solidFill>
+              <a:schemeClr val="bg2">
+                <a:lumMod val="10000"/>
+              </a:schemeClr>
+            </a:solidFill>
+          </a:ln>
         </p:spPr>
         <p:style>
           <a:lnRef idx="3">
@@ -17137,6 +17108,13 @@
           <a:prstGeom prst="bentConnector3">
             <a:avLst/>
           </a:prstGeom>
+          <a:ln>
+            <a:solidFill>
+              <a:schemeClr val="bg2">
+                <a:lumMod val="10000"/>
+              </a:schemeClr>
+            </a:solidFill>
+          </a:ln>
         </p:spPr>
         <p:style>
           <a:lnRef idx="3">
@@ -17179,6 +17157,13 @@
               <a:gd name="adj1" fmla="val -488430"/>
             </a:avLst>
           </a:prstGeom>
+          <a:ln>
+            <a:solidFill>
+              <a:schemeClr val="bg2">
+                <a:lumMod val="10000"/>
+              </a:schemeClr>
+            </a:solidFill>
+          </a:ln>
         </p:spPr>
         <p:style>
           <a:lnRef idx="3">
@@ -17694,6 +17679,13 @@
           <a:prstGeom prst="bentConnector3">
             <a:avLst/>
           </a:prstGeom>
+          <a:ln>
+            <a:solidFill>
+              <a:schemeClr val="bg2">
+                <a:lumMod val="10000"/>
+              </a:schemeClr>
+            </a:solidFill>
+          </a:ln>
         </p:spPr>
         <p:style>
           <a:lnRef idx="3">
@@ -17733,6 +17725,13 @@
           <a:prstGeom prst="bentConnector3">
             <a:avLst/>
           </a:prstGeom>
+          <a:ln>
+            <a:solidFill>
+              <a:schemeClr val="bg2">
+                <a:lumMod val="10000"/>
+              </a:schemeClr>
+            </a:solidFill>
+          </a:ln>
         </p:spPr>
         <p:style>
           <a:lnRef idx="3">
@@ -17773,6 +17772,13 @@
           <a:prstGeom prst="bentConnector3">
             <a:avLst/>
           </a:prstGeom>
+          <a:ln>
+            <a:solidFill>
+              <a:schemeClr val="bg2">
+                <a:lumMod val="10000"/>
+              </a:schemeClr>
+            </a:solidFill>
+          </a:ln>
         </p:spPr>
         <p:style>
           <a:lnRef idx="3">
@@ -17813,6 +17819,13 @@
               <a:gd name="adj1" fmla="val 50000"/>
             </a:avLst>
           </a:prstGeom>
+          <a:ln>
+            <a:solidFill>
+              <a:schemeClr val="bg2">
+                <a:lumMod val="10000"/>
+              </a:schemeClr>
+            </a:solidFill>
+          </a:ln>
         </p:spPr>
         <p:style>
           <a:lnRef idx="3">
@@ -17849,6 +17862,13 @@
           <a:prstGeom prst="bentConnector3">
             <a:avLst/>
           </a:prstGeom>
+          <a:ln>
+            <a:solidFill>
+              <a:schemeClr val="bg2">
+                <a:lumMod val="10000"/>
+              </a:schemeClr>
+            </a:solidFill>
+          </a:ln>
         </p:spPr>
         <p:style>
           <a:lnRef idx="3">
@@ -18707,10 +18727,10 @@
       </p:grpSp>
       <p:pic>
         <p:nvPicPr>
-          <p:cNvPr id="118" name="Рисунок 117" descr="Документ со сплошной заливкой">
-            <a:extLst>
-              <a:ext uri="{FF2B5EF4-FFF2-40B4-BE49-F238E27FC236}">
-                <a16:creationId xmlns:a16="http://schemas.microsoft.com/office/drawing/2014/main" id="{284FF2AD-FDE1-D968-C8C9-0A72EF252A0C}"/>
+          <p:cNvPr id="123" name="Рисунок 122" descr="База данных со сплошной заливкой">
+            <a:extLst>
+              <a:ext uri="{FF2B5EF4-FFF2-40B4-BE49-F238E27FC236}">
+                <a16:creationId xmlns:a16="http://schemas.microsoft.com/office/drawing/2014/main" id="{ADEEE8EB-CB6D-79EA-7A0B-E48841F743D6}"/>
               </a:ext>
             </a:extLst>
           </p:cNvPr>
@@ -18724,78 +18744,6 @@
             <a:extLst>
               <a:ext uri="{96DAC541-7B7A-43D3-8B79-37D633B846F1}">
                 <asvg:svgBlip xmlns:asvg="http://schemas.microsoft.com/office/drawing/2016/SVG/main" r:embed="rId3"/>
-              </a:ext>
-            </a:extLst>
-          </a:blip>
-          <a:stretch>
-            <a:fillRect/>
-          </a:stretch>
-        </p:blipFill>
-        <p:spPr>
-          <a:xfrm>
-            <a:off x="6912935" y="2300517"/>
-            <a:ext cx="306580" cy="306580"/>
-          </a:xfrm>
-          <a:prstGeom prst="rect">
-            <a:avLst/>
-          </a:prstGeom>
-        </p:spPr>
-      </p:pic>
-      <p:pic>
-        <p:nvPicPr>
-          <p:cNvPr id="121" name="Рисунок 120" descr="Мозг со сплошной заливкой">
-            <a:extLst>
-              <a:ext uri="{FF2B5EF4-FFF2-40B4-BE49-F238E27FC236}">
-                <a16:creationId xmlns:a16="http://schemas.microsoft.com/office/drawing/2014/main" id="{AB605EB9-7D00-7BE1-BD3B-102F53BDD765}"/>
-              </a:ext>
-            </a:extLst>
-          </p:cNvPr>
-          <p:cNvPicPr>
-            <a:picLocks noChangeAspect="1"/>
-          </p:cNvPicPr>
-          <p:nvPr/>
-        </p:nvPicPr>
-        <p:blipFill>
-          <a:blip r:embed="rId4">
-            <a:extLst>
-              <a:ext uri="{96DAC541-7B7A-43D3-8B79-37D633B846F1}">
-                <asvg:svgBlip xmlns:asvg="http://schemas.microsoft.com/office/drawing/2016/SVG/main" r:embed="rId5"/>
-              </a:ext>
-            </a:extLst>
-          </a:blip>
-          <a:stretch>
-            <a:fillRect/>
-          </a:stretch>
-        </p:blipFill>
-        <p:spPr>
-          <a:xfrm>
-            <a:off x="6904038" y="3350736"/>
-            <a:ext cx="325000" cy="325000"/>
-          </a:xfrm>
-          <a:prstGeom prst="rect">
-            <a:avLst/>
-          </a:prstGeom>
-        </p:spPr>
-      </p:pic>
-      <p:pic>
-        <p:nvPicPr>
-          <p:cNvPr id="123" name="Рисунок 122" descr="База данных со сплошной заливкой">
-            <a:extLst>
-              <a:ext uri="{FF2B5EF4-FFF2-40B4-BE49-F238E27FC236}">
-                <a16:creationId xmlns:a16="http://schemas.microsoft.com/office/drawing/2014/main" id="{ADEEE8EB-CB6D-79EA-7A0B-E48841F743D6}"/>
-              </a:ext>
-            </a:extLst>
-          </p:cNvPr>
-          <p:cNvPicPr>
-            <a:picLocks noChangeAspect="1"/>
-          </p:cNvPicPr>
-          <p:nvPr/>
-        </p:nvPicPr>
-        <p:blipFill>
-          <a:blip r:embed="rId6">
-            <a:extLst>
-              <a:ext uri="{96DAC541-7B7A-43D3-8B79-37D633B846F1}">
-                <asvg:svgBlip xmlns:asvg="http://schemas.microsoft.com/office/drawing/2016/SVG/main" r:embed="rId7"/>
               </a:ext>
             </a:extLst>
           </a:blip>
@@ -18813,88 +18761,6 @@
           </a:prstGeom>
         </p:spPr>
       </p:pic>
-      <p:cxnSp>
-        <p:nvCxnSpPr>
-          <p:cNvPr id="127" name="Прямая со стрелкой 126">
-            <a:extLst>
-              <a:ext uri="{FF2B5EF4-FFF2-40B4-BE49-F238E27FC236}">
-                <a16:creationId xmlns:a16="http://schemas.microsoft.com/office/drawing/2014/main" id="{E0C88BD7-5C70-C332-B264-D07C345B39D8}"/>
-              </a:ext>
-            </a:extLst>
-          </p:cNvPr>
-          <p:cNvCxnSpPr>
-            <a:cxnSpLocks/>
-          </p:cNvCxnSpPr>
-          <p:nvPr/>
-        </p:nvCxnSpPr>
-        <p:spPr>
-          <a:xfrm>
-            <a:off x="7262054" y="3513236"/>
-            <a:ext cx="450021" cy="0"/>
-          </a:xfrm>
-          <a:prstGeom prst="straightConnector1">
-            <a:avLst/>
-          </a:prstGeom>
-          <a:ln>
-            <a:tailEnd type="triangle"/>
-          </a:ln>
-        </p:spPr>
-        <p:style>
-          <a:lnRef idx="1">
-            <a:schemeClr val="dk1"/>
-          </a:lnRef>
-          <a:fillRef idx="0">
-            <a:schemeClr val="dk1"/>
-          </a:fillRef>
-          <a:effectRef idx="0">
-            <a:schemeClr val="dk1"/>
-          </a:effectRef>
-          <a:fontRef idx="minor">
-            <a:schemeClr val="tx1"/>
-          </a:fontRef>
-        </p:style>
-      </p:cxnSp>
-      <p:cxnSp>
-        <p:nvCxnSpPr>
-          <p:cNvPr id="129" name="Прямая со стрелкой 128">
-            <a:extLst>
-              <a:ext uri="{FF2B5EF4-FFF2-40B4-BE49-F238E27FC236}">
-                <a16:creationId xmlns:a16="http://schemas.microsoft.com/office/drawing/2014/main" id="{2C1E7DC3-3009-7437-88DD-67C44AFF60E8}"/>
-              </a:ext>
-            </a:extLst>
-          </p:cNvPr>
-          <p:cNvCxnSpPr>
-            <a:cxnSpLocks/>
-          </p:cNvCxnSpPr>
-          <p:nvPr/>
-        </p:nvCxnSpPr>
-        <p:spPr>
-          <a:xfrm>
-            <a:off x="7262053" y="2452786"/>
-            <a:ext cx="450021" cy="0"/>
-          </a:xfrm>
-          <a:prstGeom prst="straightConnector1">
-            <a:avLst/>
-          </a:prstGeom>
-          <a:ln>
-            <a:tailEnd type="triangle"/>
-          </a:ln>
-        </p:spPr>
-        <p:style>
-          <a:lnRef idx="1">
-            <a:schemeClr val="dk1"/>
-          </a:lnRef>
-          <a:fillRef idx="0">
-            <a:schemeClr val="dk1"/>
-          </a:fillRef>
-          <a:effectRef idx="0">
-            <a:schemeClr val="dk1"/>
-          </a:effectRef>
-          <a:fontRef idx="minor">
-            <a:schemeClr val="tx1"/>
-          </a:fontRef>
-        </p:style>
-      </p:cxnSp>
     </p:spTree>
     <p:extLst>
       <p:ext uri="{BB962C8B-B14F-4D97-AF65-F5344CB8AC3E}">
@@ -19867,9 +19733,12 @@
 </file>
 
 <file path=customXml/item1.xml><?xml version="1.0" encoding="utf-8"?>
-<p:properties xmlns:p="http://schemas.microsoft.com/office/2006/metadata/properties" xmlns:xsi="http://www.w3.org/2001/XMLSchema-instance" xmlns:pc="http://schemas.microsoft.com/office/infopath/2007/PartnerControls">
-  <documentManagement/>
-</p:properties>
+<?mso-contentType ?>
+<FormTemplates xmlns="http://schemas.microsoft.com/sharepoint/v3/contenttype/forms">
+  <Display>DocumentLibraryForm</Display>
+  <Edit>DocumentLibraryForm</Edit>
+  <New>DocumentLibraryForm</New>
+</FormTemplates>
 </file>
 
 <file path=customXml/item2.xml><?xml version="1.0" encoding="utf-8"?>
@@ -20096,27 +19965,15 @@
 </file>
 
 <file path=customXml/item3.xml><?xml version="1.0" encoding="utf-8"?>
-<?mso-contentType ?>
-<FormTemplates xmlns="http://schemas.microsoft.com/sharepoint/v3/contenttype/forms">
-  <Display>DocumentLibraryForm</Display>
-  <Edit>DocumentLibraryForm</Edit>
-  <New>DocumentLibraryForm</New>
-</FormTemplates>
+<p:properties xmlns:p="http://schemas.microsoft.com/office/2006/metadata/properties" xmlns:xsi="http://www.w3.org/2001/XMLSchema-instance" xmlns:pc="http://schemas.microsoft.com/office/infopath/2007/PartnerControls">
+  <documentManagement/>
+</p:properties>
 </file>
 
 <file path=customXml/itemProps1.xml><?xml version="1.0" encoding="utf-8"?>
-<ds:datastoreItem xmlns:ds="http://schemas.openxmlformats.org/officeDocument/2006/customXml" ds:itemID="{433DAF31-D8A6-49A0-9A5D-8B2EA5B1C511}">
+<ds:datastoreItem xmlns:ds="http://schemas.openxmlformats.org/officeDocument/2006/customXml" ds:itemID="{B34386AA-1848-4C75-B336-1053927CB025}">
   <ds:schemaRefs>
-    <ds:schemaRef ds:uri="http://purl.org/dc/elements/1.1/"/>
-    <ds:schemaRef ds:uri="http://schemas.microsoft.com/office/2006/documentManagement/types"/>
-    <ds:schemaRef ds:uri="http://schemas.microsoft.com/office/infopath/2007/PartnerControls"/>
-    <ds:schemaRef ds:uri="http://purl.org/dc/dcmitype/"/>
-    <ds:schemaRef ds:uri="e96afe77-3acb-4328-97fc-408e1bde3ecd"/>
-    <ds:schemaRef ds:uri="http://schemas.microsoft.com/office/2006/metadata/properties"/>
-    <ds:schemaRef ds:uri="http://purl.org/dc/terms/"/>
-    <ds:schemaRef ds:uri="http://www.w3.org/XML/1998/namespace"/>
-    <ds:schemaRef ds:uri="http://schemas.openxmlformats.org/package/2006/metadata/core-properties"/>
-    <ds:schemaRef ds:uri="9875bd71-cde8-496c-a136-433f55d5e6d0"/>
+    <ds:schemaRef ds:uri="http://schemas.microsoft.com/sharepoint/v3/contenttype/forms"/>
   </ds:schemaRefs>
 </ds:datastoreItem>
 </file>
@@ -20141,9 +19998,18 @@
 </file>
 
 <file path=customXml/itemProps3.xml><?xml version="1.0" encoding="utf-8"?>
-<ds:datastoreItem xmlns:ds="http://schemas.openxmlformats.org/officeDocument/2006/customXml" ds:itemID="{B34386AA-1848-4C75-B336-1053927CB025}">
+<ds:datastoreItem xmlns:ds="http://schemas.openxmlformats.org/officeDocument/2006/customXml" ds:itemID="{433DAF31-D8A6-49A0-9A5D-8B2EA5B1C511}">
   <ds:schemaRefs>
-    <ds:schemaRef ds:uri="http://schemas.microsoft.com/sharepoint/v3/contenttype/forms"/>
+    <ds:schemaRef ds:uri="http://purl.org/dc/elements/1.1/"/>
+    <ds:schemaRef ds:uri="http://schemas.microsoft.com/office/2006/documentManagement/types"/>
+    <ds:schemaRef ds:uri="http://schemas.microsoft.com/office/infopath/2007/PartnerControls"/>
+    <ds:schemaRef ds:uri="http://purl.org/dc/dcmitype/"/>
+    <ds:schemaRef ds:uri="e96afe77-3acb-4328-97fc-408e1bde3ecd"/>
+    <ds:schemaRef ds:uri="http://schemas.microsoft.com/office/2006/metadata/properties"/>
+    <ds:schemaRef ds:uri="http://purl.org/dc/terms/"/>
+    <ds:schemaRef ds:uri="http://www.w3.org/XML/1998/namespace"/>
+    <ds:schemaRef ds:uri="http://schemas.openxmlformats.org/package/2006/metadata/core-properties"/>
+    <ds:schemaRef ds:uri="9875bd71-cde8-496c-a136-433f55d5e6d0"/>
   </ds:schemaRefs>
 </ds:datastoreItem>
 </file>
--- a/presentation/HH_SSAR_presentation.pptx
+++ b/presentation/HH_SSAR_presentation.pptx
@@ -296,7 +296,7 @@
           <a:p>
             <a:fld id="{73261BF4-8B2C-784B-9959-B59A059012C3}" type="datetimeFigureOut">
               <a:rPr lang="en-RU" smtClean="0"/>
-              <a:t>08/19/2025</a:t>
+              <a:t>08/22/2025</a:t>
             </a:fld>
             <a:endParaRPr lang="en-RU"/>
           </a:p>
@@ -13700,7 +13700,7 @@
           <a:p>
             <a:fld id="{53063DFB-8595-A44B-9F09-A50FA310E559}" type="datetimeFigureOut">
               <a:rPr lang="en-RU" smtClean="0"/>
-              <a:t>08/19/2025</a:t>
+              <a:t>08/22/2025</a:t>
             </a:fld>
             <a:endParaRPr lang="en-RU"/>
           </a:p>
@@ -17131,55 +17131,6 @@
           </a:fontRef>
         </p:style>
       </p:cxnSp>
-      <p:cxnSp>
-        <p:nvCxnSpPr>
-          <p:cNvPr id="35" name="Соединитель: уступ 34">
-            <a:extLst>
-              <a:ext uri="{FF2B5EF4-FFF2-40B4-BE49-F238E27FC236}">
-                <a16:creationId xmlns:a16="http://schemas.microsoft.com/office/drawing/2014/main" id="{9EFE6824-0F52-A83B-E1BA-E359A786E9D0}"/>
-              </a:ext>
-            </a:extLst>
-          </p:cNvPr>
-          <p:cNvCxnSpPr>
-            <a:cxnSpLocks/>
-            <a:stCxn id="93" idx="0"/>
-            <a:endCxn id="23" idx="0"/>
-          </p:cNvCxnSpPr>
-          <p:nvPr/>
-        </p:nvCxnSpPr>
-        <p:spPr>
-          <a:xfrm rot="16200000" flipH="1">
-            <a:off x="5991387" y="-1302693"/>
-            <a:ext cx="46803" cy="7192336"/>
-          </a:xfrm>
-          <a:prstGeom prst="bentConnector3">
-            <a:avLst>
-              <a:gd name="adj1" fmla="val -488430"/>
-            </a:avLst>
-          </a:prstGeom>
-          <a:ln>
-            <a:solidFill>
-              <a:schemeClr val="bg2">
-                <a:lumMod val="10000"/>
-              </a:schemeClr>
-            </a:solidFill>
-          </a:ln>
-        </p:spPr>
-        <p:style>
-          <a:lnRef idx="3">
-            <a:schemeClr val="accent2"/>
-          </a:lnRef>
-          <a:fillRef idx="0">
-            <a:schemeClr val="accent2"/>
-          </a:fillRef>
-          <a:effectRef idx="2">
-            <a:schemeClr val="accent2"/>
-          </a:effectRef>
-          <a:fontRef idx="minor">
-            <a:schemeClr val="tx1"/>
-          </a:fontRef>
-        </p:style>
-      </p:cxnSp>
       <p:sp>
         <p:nvSpPr>
           <p:cNvPr id="39" name="Прямоугольник: скругленные углы 38">
@@ -17818,49 +17769,6 @@
             <a:avLst>
               <a:gd name="adj1" fmla="val 50000"/>
             </a:avLst>
-          </a:prstGeom>
-          <a:ln>
-            <a:solidFill>
-              <a:schemeClr val="bg2">
-                <a:lumMod val="10000"/>
-              </a:schemeClr>
-            </a:solidFill>
-          </a:ln>
-        </p:spPr>
-        <p:style>
-          <a:lnRef idx="3">
-            <a:schemeClr val="accent2"/>
-          </a:lnRef>
-          <a:fillRef idx="0">
-            <a:schemeClr val="accent2"/>
-          </a:fillRef>
-          <a:effectRef idx="2">
-            <a:schemeClr val="accent2"/>
-          </a:effectRef>
-          <a:fontRef idx="minor">
-            <a:schemeClr val="tx1"/>
-          </a:fontRef>
-        </p:style>
-      </p:cxnSp>
-      <p:cxnSp>
-        <p:nvCxnSpPr>
-          <p:cNvPr id="77" name="Соединитель: уступ 76">
-            <a:extLst>
-              <a:ext uri="{FF2B5EF4-FFF2-40B4-BE49-F238E27FC236}">
-                <a16:creationId xmlns:a16="http://schemas.microsoft.com/office/drawing/2014/main" id="{E55943C9-B294-4159-34A4-F555BE467861}"/>
-              </a:ext>
-            </a:extLst>
-          </p:cNvPr>
-          <p:cNvCxnSpPr/>
-          <p:nvPr/>
-        </p:nvCxnSpPr>
-        <p:spPr>
-          <a:xfrm rot="10800000" flipV="1">
-            <a:off x="4061461" y="5102571"/>
-            <a:ext cx="504961" cy="2"/>
-          </a:xfrm>
-          <a:prstGeom prst="bentConnector3">
-            <a:avLst/>
           </a:prstGeom>
           <a:ln>
             <a:solidFill>
@@ -18684,15 +18592,7 @@
                   <a:rPr lang="ru-RU" sz="700" dirty="0">
                     <a:latin typeface="HSE Sans" panose="02000000000000000000"/>
                   </a:rPr>
-                  <a:t>Компоненты совпадения:</a:t>
-                </a:r>
-              </a:p>
-              <a:p>
-                <a:r>
-                  <a:rPr lang="ru-RU" sz="700" dirty="0">
-                    <a:latin typeface="HSE Sans" panose="02000000000000000000"/>
-                  </a:rPr>
-                  <a:t>         - </a:t>
+                  <a:t>Компоненты совпадения: - </a:t>
                 </a:r>
                 <a:r>
                   <a:rPr lang="en-US" sz="700" dirty="0">
@@ -18700,13 +18600,17 @@
                   </a:rPr>
                   <a:t>semantic: 0.85</a:t>
                 </a:r>
-              </a:p>
-              <a:p>
+                <a:r>
+                  <a:rPr lang="ru-RU" sz="700" dirty="0">
+                    <a:latin typeface="HSE Sans" panose="02000000000000000000"/>
+                  </a:rPr>
+                  <a:t> </a:t>
+                </a:r>
                 <a:r>
                   <a:rPr lang="en-US" sz="700" dirty="0">
                     <a:latin typeface="HSE Sans" panose="02000000000000000000"/>
                   </a:rPr>
-                  <a:t>         - </a:t>
+                  <a:t>- </a:t>
                 </a:r>
                 <a:r>
                   <a:rPr lang="en-US" sz="700" dirty="0" err="1">
@@ -18761,6 +18665,98 @@
           </a:prstGeom>
         </p:spPr>
       </p:pic>
+      <p:cxnSp>
+        <p:nvCxnSpPr>
+          <p:cNvPr id="77" name="Соединитель: уступ 76">
+            <a:extLst>
+              <a:ext uri="{FF2B5EF4-FFF2-40B4-BE49-F238E27FC236}">
+                <a16:creationId xmlns:a16="http://schemas.microsoft.com/office/drawing/2014/main" id="{E55943C9-B294-4159-34A4-F555BE467861}"/>
+              </a:ext>
+            </a:extLst>
+          </p:cNvPr>
+          <p:cNvCxnSpPr/>
+          <p:nvPr/>
+        </p:nvCxnSpPr>
+        <p:spPr>
+          <a:xfrm rot="10800000" flipV="1">
+            <a:off x="4061461" y="5102571"/>
+            <a:ext cx="504961" cy="2"/>
+          </a:xfrm>
+          <a:prstGeom prst="bentConnector3">
+            <a:avLst/>
+          </a:prstGeom>
+          <a:ln>
+            <a:solidFill>
+              <a:schemeClr val="bg2">
+                <a:lumMod val="10000"/>
+              </a:schemeClr>
+            </a:solidFill>
+          </a:ln>
+        </p:spPr>
+        <p:style>
+          <a:lnRef idx="3">
+            <a:schemeClr val="accent2"/>
+          </a:lnRef>
+          <a:fillRef idx="0">
+            <a:schemeClr val="accent2"/>
+          </a:fillRef>
+          <a:effectRef idx="2">
+            <a:schemeClr val="accent2"/>
+          </a:effectRef>
+          <a:fontRef idx="minor">
+            <a:schemeClr val="tx1"/>
+          </a:fontRef>
+        </p:style>
+      </p:cxnSp>
+      <p:cxnSp>
+        <p:nvCxnSpPr>
+          <p:cNvPr id="35" name="Соединитель: уступ 34">
+            <a:extLst>
+              <a:ext uri="{FF2B5EF4-FFF2-40B4-BE49-F238E27FC236}">
+                <a16:creationId xmlns:a16="http://schemas.microsoft.com/office/drawing/2014/main" id="{9EFE6824-0F52-A83B-E1BA-E359A786E9D0}"/>
+              </a:ext>
+            </a:extLst>
+          </p:cNvPr>
+          <p:cNvCxnSpPr>
+            <a:cxnSpLocks/>
+            <a:stCxn id="93" idx="0"/>
+            <a:endCxn id="23" idx="0"/>
+          </p:cNvCxnSpPr>
+          <p:nvPr/>
+        </p:nvCxnSpPr>
+        <p:spPr>
+          <a:xfrm rot="16200000" flipH="1">
+            <a:off x="5991387" y="-1302693"/>
+            <a:ext cx="46803" cy="7192336"/>
+          </a:xfrm>
+          <a:prstGeom prst="bentConnector3">
+            <a:avLst>
+              <a:gd name="adj1" fmla="val -488430"/>
+            </a:avLst>
+          </a:prstGeom>
+          <a:ln>
+            <a:solidFill>
+              <a:schemeClr val="bg2">
+                <a:lumMod val="10000"/>
+              </a:schemeClr>
+            </a:solidFill>
+          </a:ln>
+        </p:spPr>
+        <p:style>
+          <a:lnRef idx="3">
+            <a:schemeClr val="accent2"/>
+          </a:lnRef>
+          <a:fillRef idx="0">
+            <a:schemeClr val="accent2"/>
+          </a:fillRef>
+          <a:effectRef idx="2">
+            <a:schemeClr val="accent2"/>
+          </a:effectRef>
+          <a:fontRef idx="minor">
+            <a:schemeClr val="tx1"/>
+          </a:fontRef>
+        </p:style>
+      </p:cxnSp>
     </p:spTree>
     <p:extLst>
       <p:ext uri="{BB962C8B-B14F-4D97-AF65-F5344CB8AC3E}">
@@ -19733,12 +19729,9 @@
 </file>
 
 <file path=customXml/item1.xml><?xml version="1.0" encoding="utf-8"?>
-<?mso-contentType ?>
-<FormTemplates xmlns="http://schemas.microsoft.com/sharepoint/v3/contenttype/forms">
-  <Display>DocumentLibraryForm</Display>
-  <Edit>DocumentLibraryForm</Edit>
-  <New>DocumentLibraryForm</New>
-</FormTemplates>
+<p:properties xmlns:p="http://schemas.microsoft.com/office/2006/metadata/properties" xmlns:xsi="http://www.w3.org/2001/XMLSchema-instance" xmlns:pc="http://schemas.microsoft.com/office/infopath/2007/PartnerControls">
+  <documentManagement/>
+</p:properties>
 </file>
 
 <file path=customXml/item2.xml><?xml version="1.0" encoding="utf-8"?>
@@ -19965,15 +19958,27 @@
 </file>
 
 <file path=customXml/item3.xml><?xml version="1.0" encoding="utf-8"?>
-<p:properties xmlns:p="http://schemas.microsoft.com/office/2006/metadata/properties" xmlns:xsi="http://www.w3.org/2001/XMLSchema-instance" xmlns:pc="http://schemas.microsoft.com/office/infopath/2007/PartnerControls">
-  <documentManagement/>
-</p:properties>
+<?mso-contentType ?>
+<FormTemplates xmlns="http://schemas.microsoft.com/sharepoint/v3/contenttype/forms">
+  <Display>DocumentLibraryForm</Display>
+  <Edit>DocumentLibraryForm</Edit>
+  <New>DocumentLibraryForm</New>
+</FormTemplates>
 </file>
 
 <file path=customXml/itemProps1.xml><?xml version="1.0" encoding="utf-8"?>
-<ds:datastoreItem xmlns:ds="http://schemas.openxmlformats.org/officeDocument/2006/customXml" ds:itemID="{B34386AA-1848-4C75-B336-1053927CB025}">
+<ds:datastoreItem xmlns:ds="http://schemas.openxmlformats.org/officeDocument/2006/customXml" ds:itemID="{433DAF31-D8A6-49A0-9A5D-8B2EA5B1C511}">
   <ds:schemaRefs>
-    <ds:schemaRef ds:uri="http://schemas.microsoft.com/sharepoint/v3/contenttype/forms"/>
+    <ds:schemaRef ds:uri="http://purl.org/dc/elements/1.1/"/>
+    <ds:schemaRef ds:uri="http://schemas.microsoft.com/office/2006/documentManagement/types"/>
+    <ds:schemaRef ds:uri="http://schemas.microsoft.com/office/infopath/2007/PartnerControls"/>
+    <ds:schemaRef ds:uri="http://purl.org/dc/dcmitype/"/>
+    <ds:schemaRef ds:uri="e96afe77-3acb-4328-97fc-408e1bde3ecd"/>
+    <ds:schemaRef ds:uri="http://schemas.microsoft.com/office/2006/metadata/properties"/>
+    <ds:schemaRef ds:uri="http://purl.org/dc/terms/"/>
+    <ds:schemaRef ds:uri="http://www.w3.org/XML/1998/namespace"/>
+    <ds:schemaRef ds:uri="http://schemas.openxmlformats.org/package/2006/metadata/core-properties"/>
+    <ds:schemaRef ds:uri="9875bd71-cde8-496c-a136-433f55d5e6d0"/>
   </ds:schemaRefs>
 </ds:datastoreItem>
 </file>
@@ -19998,18 +20003,9 @@
 </file>
 
 <file path=customXml/itemProps3.xml><?xml version="1.0" encoding="utf-8"?>
-<ds:datastoreItem xmlns:ds="http://schemas.openxmlformats.org/officeDocument/2006/customXml" ds:itemID="{433DAF31-D8A6-49A0-9A5D-8B2EA5B1C511}">
+<ds:datastoreItem xmlns:ds="http://schemas.openxmlformats.org/officeDocument/2006/customXml" ds:itemID="{B34386AA-1848-4C75-B336-1053927CB025}">
   <ds:schemaRefs>
-    <ds:schemaRef ds:uri="http://purl.org/dc/elements/1.1/"/>
-    <ds:schemaRef ds:uri="http://schemas.microsoft.com/office/2006/documentManagement/types"/>
-    <ds:schemaRef ds:uri="http://schemas.microsoft.com/office/infopath/2007/PartnerControls"/>
-    <ds:schemaRef ds:uri="http://purl.org/dc/dcmitype/"/>
-    <ds:schemaRef ds:uri="e96afe77-3acb-4328-97fc-408e1bde3ecd"/>
-    <ds:schemaRef ds:uri="http://schemas.microsoft.com/office/2006/metadata/properties"/>
-    <ds:schemaRef ds:uri="http://purl.org/dc/terms/"/>
-    <ds:schemaRef ds:uri="http://www.w3.org/XML/1998/namespace"/>
-    <ds:schemaRef ds:uri="http://schemas.openxmlformats.org/package/2006/metadata/core-properties"/>
-    <ds:schemaRef ds:uri="9875bd71-cde8-496c-a136-433f55d5e6d0"/>
+    <ds:schemaRef ds:uri="http://schemas.microsoft.com/sharepoint/v3/contenttype/forms"/>
   </ds:schemaRefs>
 </ds:datastoreItem>
 </file>